--- a/Program/MDLoader/logo.pptx
+++ b/Program/MDLoader/logo.pptx
@@ -1,14 +1,17 @@
 
 <file path=ppt/presentation.xml><?xml version="1.0" encoding="utf-8"?>
-<p:presentation xmlns:a="http://schemas.openxmlformats.org/drawingml/2006/main" xmlns:r="http://schemas.openxmlformats.org/officeDocument/2006/relationships" xmlns:p="http://schemas.openxmlformats.org/presentationml/2006/main" saveSubsetFonts="1">
+<p:presentation xmlns:a="http://schemas.openxmlformats.org/drawingml/2006/main" xmlns:r="http://schemas.openxmlformats.org/officeDocument/2006/relationships" xmlns:p="http://schemas.openxmlformats.org/presentationml/2006/main">
   <p:sldMasterIdLst>
     <p:sldMasterId id="2147483648" r:id="rId1"/>
   </p:sldMasterIdLst>
   <p:sldIdLst>
-    <p:sldId id="256" r:id="rId2"/>
+    <p:sldId id="256" r:id="rId3"/>
   </p:sldIdLst>
   <p:sldSz cx="12192000" cy="6858000"/>
   <p:notesSz cx="6858000" cy="9144000"/>
+  <p:custDataLst>
+    <p:tags r:id="rId7"/>
+  </p:custDataLst>
   <p:defaultTextStyle>
     <a:defPPr>
       <a:defRPr lang="zh-CN"/>
@@ -126,13 +129,7 @@
       </p:grpSpPr>
       <p:sp>
         <p:nvSpPr>
-          <p:cNvPr id="2" name="标题 1">
-            <a:extLst>
-              <a:ext uri="{FF2B5EF4-FFF2-40B4-BE49-F238E27FC236}">
-                <a16:creationId xmlns:a16="http://schemas.microsoft.com/office/drawing/2014/main" id="{3E221BB4-30F7-4B16-A8F7-41DDDA089AAE}"/>
-              </a:ext>
-            </a:extLst>
-          </p:cNvPr>
+          <p:cNvPr id="2" name="标题 1"/>
           <p:cNvSpPr>
             <a:spLocks noGrp="1"/>
           </p:cNvSpPr>
@@ -158,18 +155,13 @@
               <a:rPr lang="zh-CN" altLang="en-US"/>
               <a:t>单击此处编辑母版标题样式</a:t>
             </a:r>
-          </a:p>
-        </p:txBody>
-      </p:sp>
-      <p:sp>
-        <p:nvSpPr>
-          <p:cNvPr id="3" name="副标题 2">
-            <a:extLst>
-              <a:ext uri="{FF2B5EF4-FFF2-40B4-BE49-F238E27FC236}">
-                <a16:creationId xmlns:a16="http://schemas.microsoft.com/office/drawing/2014/main" id="{EEE2A5CD-B6D1-4895-9FB6-7ADA573A39BC}"/>
-              </a:ext>
-            </a:extLst>
-          </p:cNvPr>
+            <a:endParaRPr lang="zh-CN" altLang="en-US"/>
+          </a:p>
+        </p:txBody>
+      </p:sp>
+      <p:sp>
+        <p:nvSpPr>
+          <p:cNvPr id="3" name="副标题 2"/>
           <p:cNvSpPr>
             <a:spLocks noGrp="1"/>
           </p:cNvSpPr>
@@ -228,18 +220,13 @@
               <a:rPr lang="zh-CN" altLang="en-US"/>
               <a:t>单击此处编辑母版副标题样式</a:t>
             </a:r>
-          </a:p>
-        </p:txBody>
-      </p:sp>
-      <p:sp>
-        <p:nvSpPr>
-          <p:cNvPr id="4" name="日期占位符 3">
-            <a:extLst>
-              <a:ext uri="{FF2B5EF4-FFF2-40B4-BE49-F238E27FC236}">
-                <a16:creationId xmlns:a16="http://schemas.microsoft.com/office/drawing/2014/main" id="{B0128BED-EEC5-4CA3-BE67-C0E600295F09}"/>
-              </a:ext>
-            </a:extLst>
-          </p:cNvPr>
+            <a:endParaRPr lang="zh-CN" altLang="en-US"/>
+          </a:p>
+        </p:txBody>
+      </p:sp>
+      <p:sp>
+        <p:nvSpPr>
+          <p:cNvPr id="4" name="日期占位符 3"/>
           <p:cNvSpPr>
             <a:spLocks noGrp="1"/>
           </p:cNvSpPr>
@@ -254,7 +241,6 @@
           <a:p>
             <a:fld id="{61C41E37-8B35-4ED8-90B5-FB74E3F2F2DA}" type="datetimeFigureOut">
               <a:rPr lang="zh-CN" altLang="en-US" smtClean="0"/>
-              <a:t>2021-08-01</a:t>
             </a:fld>
             <a:endParaRPr lang="zh-CN" altLang="en-US"/>
           </a:p>
@@ -262,13 +248,7 @@
       </p:sp>
       <p:sp>
         <p:nvSpPr>
-          <p:cNvPr id="5" name="页脚占位符 4">
-            <a:extLst>
-              <a:ext uri="{FF2B5EF4-FFF2-40B4-BE49-F238E27FC236}">
-                <a16:creationId xmlns:a16="http://schemas.microsoft.com/office/drawing/2014/main" id="{2D11FC75-19BD-4686-A99C-A1B66FA57819}"/>
-              </a:ext>
-            </a:extLst>
-          </p:cNvPr>
+          <p:cNvPr id="5" name="页脚占位符 4"/>
           <p:cNvSpPr>
             <a:spLocks noGrp="1"/>
           </p:cNvSpPr>
@@ -287,13 +267,7 @@
       </p:sp>
       <p:sp>
         <p:nvSpPr>
-          <p:cNvPr id="6" name="灯片编号占位符 5">
-            <a:extLst>
-              <a:ext uri="{FF2B5EF4-FFF2-40B4-BE49-F238E27FC236}">
-                <a16:creationId xmlns:a16="http://schemas.microsoft.com/office/drawing/2014/main" id="{F0DDBEAC-15E3-444C-ACB6-1E555250A132}"/>
-              </a:ext>
-            </a:extLst>
-          </p:cNvPr>
+          <p:cNvPr id="6" name="灯片编号占位符 5"/>
           <p:cNvSpPr>
             <a:spLocks noGrp="1"/>
           </p:cNvSpPr>
@@ -308,18 +282,12 @@
           <a:p>
             <a:fld id="{3974FA41-206F-438C-9DBE-EECB8D304AD9}" type="slidenum">
               <a:rPr lang="zh-CN" altLang="en-US" smtClean="0"/>
-              <a:t>‹#›</a:t>
             </a:fld>
             <a:endParaRPr lang="zh-CN" altLang="en-US"/>
           </a:p>
         </p:txBody>
       </p:sp>
     </p:spTree>
-    <p:extLst>
-      <p:ext uri="{BB962C8B-B14F-4D97-AF65-F5344CB8AC3E}">
-        <p14:creationId xmlns:p14="http://schemas.microsoft.com/office/powerpoint/2010/main" val="1679080035"/>
-      </p:ext>
-    </p:extLst>
   </p:cSld>
   <p:clrMapOvr>
     <a:masterClrMapping/>
@@ -346,13 +314,7 @@
       </p:grpSpPr>
       <p:sp>
         <p:nvSpPr>
-          <p:cNvPr id="2" name="标题 1">
-            <a:extLst>
-              <a:ext uri="{FF2B5EF4-FFF2-40B4-BE49-F238E27FC236}">
-                <a16:creationId xmlns:a16="http://schemas.microsoft.com/office/drawing/2014/main" id="{D5C4994E-A36D-4BBF-A046-8FC5A50FFBAF}"/>
-              </a:ext>
-            </a:extLst>
-          </p:cNvPr>
+          <p:cNvPr id="2" name="标题 1"/>
           <p:cNvSpPr>
             <a:spLocks noGrp="1"/>
           </p:cNvSpPr>
@@ -369,18 +331,13 @@
               <a:rPr lang="zh-CN" altLang="en-US"/>
               <a:t>单击此处编辑母版标题样式</a:t>
             </a:r>
-          </a:p>
-        </p:txBody>
-      </p:sp>
-      <p:sp>
-        <p:nvSpPr>
-          <p:cNvPr id="3" name="竖排文字占位符 2">
-            <a:extLst>
-              <a:ext uri="{FF2B5EF4-FFF2-40B4-BE49-F238E27FC236}">
-                <a16:creationId xmlns:a16="http://schemas.microsoft.com/office/drawing/2014/main" id="{CF0E8650-4469-4BFC-9654-92E56D84E97A}"/>
-              </a:ext>
-            </a:extLst>
-          </p:cNvPr>
+            <a:endParaRPr lang="zh-CN" altLang="en-US"/>
+          </a:p>
+        </p:txBody>
+      </p:sp>
+      <p:sp>
+        <p:nvSpPr>
+          <p:cNvPr id="3" name="竖排文字占位符 2"/>
           <p:cNvSpPr>
             <a:spLocks noGrp="1"/>
           </p:cNvSpPr>
@@ -398,6 +355,7 @@
               <a:rPr lang="zh-CN" altLang="en-US"/>
               <a:t>单击此处编辑母版文本样式</a:t>
             </a:r>
+            <a:endParaRPr lang="zh-CN" altLang="en-US"/>
           </a:p>
           <a:p>
             <a:pPr lvl="1"/>
@@ -405,6 +363,7 @@
               <a:rPr lang="zh-CN" altLang="en-US"/>
               <a:t>二级</a:t>
             </a:r>
+            <a:endParaRPr lang="zh-CN" altLang="en-US"/>
           </a:p>
           <a:p>
             <a:pPr lvl="2"/>
@@ -412,6 +371,7 @@
               <a:rPr lang="zh-CN" altLang="en-US"/>
               <a:t>三级</a:t>
             </a:r>
+            <a:endParaRPr lang="zh-CN" altLang="en-US"/>
           </a:p>
           <a:p>
             <a:pPr lvl="3"/>
@@ -419,6 +379,7 @@
               <a:rPr lang="zh-CN" altLang="en-US"/>
               <a:t>四级</a:t>
             </a:r>
+            <a:endParaRPr lang="zh-CN" altLang="en-US"/>
           </a:p>
           <a:p>
             <a:pPr lvl="4"/>
@@ -426,18 +387,13 @@
               <a:rPr lang="zh-CN" altLang="en-US"/>
               <a:t>五级</a:t>
             </a:r>
-          </a:p>
-        </p:txBody>
-      </p:sp>
-      <p:sp>
-        <p:nvSpPr>
-          <p:cNvPr id="4" name="日期占位符 3">
-            <a:extLst>
-              <a:ext uri="{FF2B5EF4-FFF2-40B4-BE49-F238E27FC236}">
-                <a16:creationId xmlns:a16="http://schemas.microsoft.com/office/drawing/2014/main" id="{DDF1CA2C-B3FA-4826-8587-2EAE331BE0B0}"/>
-              </a:ext>
-            </a:extLst>
-          </p:cNvPr>
+            <a:endParaRPr lang="zh-CN" altLang="en-US"/>
+          </a:p>
+        </p:txBody>
+      </p:sp>
+      <p:sp>
+        <p:nvSpPr>
+          <p:cNvPr id="4" name="日期占位符 3"/>
           <p:cNvSpPr>
             <a:spLocks noGrp="1"/>
           </p:cNvSpPr>
@@ -452,7 +408,6 @@
           <a:p>
             <a:fld id="{61C41E37-8B35-4ED8-90B5-FB74E3F2F2DA}" type="datetimeFigureOut">
               <a:rPr lang="zh-CN" altLang="en-US" smtClean="0"/>
-              <a:t>2021-08-01</a:t>
             </a:fld>
             <a:endParaRPr lang="zh-CN" altLang="en-US"/>
           </a:p>
@@ -460,13 +415,7 @@
       </p:sp>
       <p:sp>
         <p:nvSpPr>
-          <p:cNvPr id="5" name="页脚占位符 4">
-            <a:extLst>
-              <a:ext uri="{FF2B5EF4-FFF2-40B4-BE49-F238E27FC236}">
-                <a16:creationId xmlns:a16="http://schemas.microsoft.com/office/drawing/2014/main" id="{4748AC86-CF3F-4DEC-9E6A-3AA2C0C50D93}"/>
-              </a:ext>
-            </a:extLst>
-          </p:cNvPr>
+          <p:cNvPr id="5" name="页脚占位符 4"/>
           <p:cNvSpPr>
             <a:spLocks noGrp="1"/>
           </p:cNvSpPr>
@@ -485,13 +434,7 @@
       </p:sp>
       <p:sp>
         <p:nvSpPr>
-          <p:cNvPr id="6" name="灯片编号占位符 5">
-            <a:extLst>
-              <a:ext uri="{FF2B5EF4-FFF2-40B4-BE49-F238E27FC236}">
-                <a16:creationId xmlns:a16="http://schemas.microsoft.com/office/drawing/2014/main" id="{4BEAF5AA-847B-426B-9612-30A243B36528}"/>
-              </a:ext>
-            </a:extLst>
-          </p:cNvPr>
+          <p:cNvPr id="6" name="灯片编号占位符 5"/>
           <p:cNvSpPr>
             <a:spLocks noGrp="1"/>
           </p:cNvSpPr>
@@ -506,18 +449,12 @@
           <a:p>
             <a:fld id="{3974FA41-206F-438C-9DBE-EECB8D304AD9}" type="slidenum">
               <a:rPr lang="zh-CN" altLang="en-US" smtClean="0"/>
-              <a:t>‹#›</a:t>
             </a:fld>
             <a:endParaRPr lang="zh-CN" altLang="en-US"/>
           </a:p>
         </p:txBody>
       </p:sp>
     </p:spTree>
-    <p:extLst>
-      <p:ext uri="{BB962C8B-B14F-4D97-AF65-F5344CB8AC3E}">
-        <p14:creationId xmlns:p14="http://schemas.microsoft.com/office/powerpoint/2010/main" val="4228718312"/>
-      </p:ext>
-    </p:extLst>
   </p:cSld>
   <p:clrMapOvr>
     <a:masterClrMapping/>
@@ -544,13 +481,7 @@
       </p:grpSpPr>
       <p:sp>
         <p:nvSpPr>
-          <p:cNvPr id="2" name="竖排标题 1">
-            <a:extLst>
-              <a:ext uri="{FF2B5EF4-FFF2-40B4-BE49-F238E27FC236}">
-                <a16:creationId xmlns:a16="http://schemas.microsoft.com/office/drawing/2014/main" id="{1CEE7C82-BB4E-422A-BB64-66EF0C8B1CBD}"/>
-              </a:ext>
-            </a:extLst>
-          </p:cNvPr>
+          <p:cNvPr id="2" name="竖排标题 1"/>
           <p:cNvSpPr>
             <a:spLocks noGrp="1"/>
           </p:cNvSpPr>
@@ -572,18 +503,13 @@
               <a:rPr lang="zh-CN" altLang="en-US"/>
               <a:t>单击此处编辑母版标题样式</a:t>
             </a:r>
-          </a:p>
-        </p:txBody>
-      </p:sp>
-      <p:sp>
-        <p:nvSpPr>
-          <p:cNvPr id="3" name="竖排文字占位符 2">
-            <a:extLst>
-              <a:ext uri="{FF2B5EF4-FFF2-40B4-BE49-F238E27FC236}">
-                <a16:creationId xmlns:a16="http://schemas.microsoft.com/office/drawing/2014/main" id="{BF16AB38-C4FA-4C33-B0E3-BCFBAC5E842C}"/>
-              </a:ext>
-            </a:extLst>
-          </p:cNvPr>
+            <a:endParaRPr lang="zh-CN" altLang="en-US"/>
+          </a:p>
+        </p:txBody>
+      </p:sp>
+      <p:sp>
+        <p:nvSpPr>
+          <p:cNvPr id="3" name="竖排文字占位符 2"/>
           <p:cNvSpPr>
             <a:spLocks noGrp="1"/>
           </p:cNvSpPr>
@@ -606,6 +532,7 @@
               <a:rPr lang="zh-CN" altLang="en-US"/>
               <a:t>单击此处编辑母版文本样式</a:t>
             </a:r>
+            <a:endParaRPr lang="zh-CN" altLang="en-US"/>
           </a:p>
           <a:p>
             <a:pPr lvl="1"/>
@@ -613,6 +540,7 @@
               <a:rPr lang="zh-CN" altLang="en-US"/>
               <a:t>二级</a:t>
             </a:r>
+            <a:endParaRPr lang="zh-CN" altLang="en-US"/>
           </a:p>
           <a:p>
             <a:pPr lvl="2"/>
@@ -620,6 +548,7 @@
               <a:rPr lang="zh-CN" altLang="en-US"/>
               <a:t>三级</a:t>
             </a:r>
+            <a:endParaRPr lang="zh-CN" altLang="en-US"/>
           </a:p>
           <a:p>
             <a:pPr lvl="3"/>
@@ -627,6 +556,7 @@
               <a:rPr lang="zh-CN" altLang="en-US"/>
               <a:t>四级</a:t>
             </a:r>
+            <a:endParaRPr lang="zh-CN" altLang="en-US"/>
           </a:p>
           <a:p>
             <a:pPr lvl="4"/>
@@ -634,18 +564,13 @@
               <a:rPr lang="zh-CN" altLang="en-US"/>
               <a:t>五级</a:t>
             </a:r>
-          </a:p>
-        </p:txBody>
-      </p:sp>
-      <p:sp>
-        <p:nvSpPr>
-          <p:cNvPr id="4" name="日期占位符 3">
-            <a:extLst>
-              <a:ext uri="{FF2B5EF4-FFF2-40B4-BE49-F238E27FC236}">
-                <a16:creationId xmlns:a16="http://schemas.microsoft.com/office/drawing/2014/main" id="{F106E060-0211-482F-AF8D-5E38ECE27BE8}"/>
-              </a:ext>
-            </a:extLst>
-          </p:cNvPr>
+            <a:endParaRPr lang="zh-CN" altLang="en-US"/>
+          </a:p>
+        </p:txBody>
+      </p:sp>
+      <p:sp>
+        <p:nvSpPr>
+          <p:cNvPr id="4" name="日期占位符 3"/>
           <p:cNvSpPr>
             <a:spLocks noGrp="1"/>
           </p:cNvSpPr>
@@ -660,7 +585,6 @@
           <a:p>
             <a:fld id="{61C41E37-8B35-4ED8-90B5-FB74E3F2F2DA}" type="datetimeFigureOut">
               <a:rPr lang="zh-CN" altLang="en-US" smtClean="0"/>
-              <a:t>2021-08-01</a:t>
             </a:fld>
             <a:endParaRPr lang="zh-CN" altLang="en-US"/>
           </a:p>
@@ -668,13 +592,7 @@
       </p:sp>
       <p:sp>
         <p:nvSpPr>
-          <p:cNvPr id="5" name="页脚占位符 4">
-            <a:extLst>
-              <a:ext uri="{FF2B5EF4-FFF2-40B4-BE49-F238E27FC236}">
-                <a16:creationId xmlns:a16="http://schemas.microsoft.com/office/drawing/2014/main" id="{81CD6379-4D94-428C-A837-370280915383}"/>
-              </a:ext>
-            </a:extLst>
-          </p:cNvPr>
+          <p:cNvPr id="5" name="页脚占位符 4"/>
           <p:cNvSpPr>
             <a:spLocks noGrp="1"/>
           </p:cNvSpPr>
@@ -693,13 +611,7 @@
       </p:sp>
       <p:sp>
         <p:nvSpPr>
-          <p:cNvPr id="6" name="灯片编号占位符 5">
-            <a:extLst>
-              <a:ext uri="{FF2B5EF4-FFF2-40B4-BE49-F238E27FC236}">
-                <a16:creationId xmlns:a16="http://schemas.microsoft.com/office/drawing/2014/main" id="{09F01618-6CA7-42B1-8489-93AB60A93899}"/>
-              </a:ext>
-            </a:extLst>
-          </p:cNvPr>
+          <p:cNvPr id="6" name="灯片编号占位符 5"/>
           <p:cNvSpPr>
             <a:spLocks noGrp="1"/>
           </p:cNvSpPr>
@@ -714,18 +626,12 @@
           <a:p>
             <a:fld id="{3974FA41-206F-438C-9DBE-EECB8D304AD9}" type="slidenum">
               <a:rPr lang="zh-CN" altLang="en-US" smtClean="0"/>
-              <a:t>‹#›</a:t>
             </a:fld>
             <a:endParaRPr lang="zh-CN" altLang="en-US"/>
           </a:p>
         </p:txBody>
       </p:sp>
     </p:spTree>
-    <p:extLst>
-      <p:ext uri="{BB962C8B-B14F-4D97-AF65-F5344CB8AC3E}">
-        <p14:creationId xmlns:p14="http://schemas.microsoft.com/office/powerpoint/2010/main" val="296449387"/>
-      </p:ext>
-    </p:extLst>
   </p:cSld>
   <p:clrMapOvr>
     <a:masterClrMapping/>
@@ -752,13 +658,7 @@
       </p:grpSpPr>
       <p:sp>
         <p:nvSpPr>
-          <p:cNvPr id="2" name="标题 1">
-            <a:extLst>
-              <a:ext uri="{FF2B5EF4-FFF2-40B4-BE49-F238E27FC236}">
-                <a16:creationId xmlns:a16="http://schemas.microsoft.com/office/drawing/2014/main" id="{7D403B22-3FF9-4488-A8EA-FD0B8A4B608F}"/>
-              </a:ext>
-            </a:extLst>
-          </p:cNvPr>
+          <p:cNvPr id="2" name="标题 1"/>
           <p:cNvSpPr>
             <a:spLocks noGrp="1"/>
           </p:cNvSpPr>
@@ -775,18 +675,13 @@
               <a:rPr lang="zh-CN" altLang="en-US"/>
               <a:t>单击此处编辑母版标题样式</a:t>
             </a:r>
-          </a:p>
-        </p:txBody>
-      </p:sp>
-      <p:sp>
-        <p:nvSpPr>
-          <p:cNvPr id="3" name="内容占位符 2">
-            <a:extLst>
-              <a:ext uri="{FF2B5EF4-FFF2-40B4-BE49-F238E27FC236}">
-                <a16:creationId xmlns:a16="http://schemas.microsoft.com/office/drawing/2014/main" id="{E277BE25-5009-4960-9041-0C8DD08E411F}"/>
-              </a:ext>
-            </a:extLst>
-          </p:cNvPr>
+            <a:endParaRPr lang="zh-CN" altLang="en-US"/>
+          </a:p>
+        </p:txBody>
+      </p:sp>
+      <p:sp>
+        <p:nvSpPr>
+          <p:cNvPr id="3" name="内容占位符 2"/>
           <p:cNvSpPr>
             <a:spLocks noGrp="1"/>
           </p:cNvSpPr>
@@ -804,6 +699,7 @@
               <a:rPr lang="zh-CN" altLang="en-US"/>
               <a:t>单击此处编辑母版文本样式</a:t>
             </a:r>
+            <a:endParaRPr lang="zh-CN" altLang="en-US"/>
           </a:p>
           <a:p>
             <a:pPr lvl="1"/>
@@ -811,6 +707,7 @@
               <a:rPr lang="zh-CN" altLang="en-US"/>
               <a:t>二级</a:t>
             </a:r>
+            <a:endParaRPr lang="zh-CN" altLang="en-US"/>
           </a:p>
           <a:p>
             <a:pPr lvl="2"/>
@@ -818,6 +715,7 @@
               <a:rPr lang="zh-CN" altLang="en-US"/>
               <a:t>三级</a:t>
             </a:r>
+            <a:endParaRPr lang="zh-CN" altLang="en-US"/>
           </a:p>
           <a:p>
             <a:pPr lvl="3"/>
@@ -825,6 +723,7 @@
               <a:rPr lang="zh-CN" altLang="en-US"/>
               <a:t>四级</a:t>
             </a:r>
+            <a:endParaRPr lang="zh-CN" altLang="en-US"/>
           </a:p>
           <a:p>
             <a:pPr lvl="4"/>
@@ -832,18 +731,13 @@
               <a:rPr lang="zh-CN" altLang="en-US"/>
               <a:t>五级</a:t>
             </a:r>
-          </a:p>
-        </p:txBody>
-      </p:sp>
-      <p:sp>
-        <p:nvSpPr>
-          <p:cNvPr id="4" name="日期占位符 3">
-            <a:extLst>
-              <a:ext uri="{FF2B5EF4-FFF2-40B4-BE49-F238E27FC236}">
-                <a16:creationId xmlns:a16="http://schemas.microsoft.com/office/drawing/2014/main" id="{92FC85A9-130A-4D5D-9D68-1D8507A3F210}"/>
-              </a:ext>
-            </a:extLst>
-          </p:cNvPr>
+            <a:endParaRPr lang="zh-CN" altLang="en-US"/>
+          </a:p>
+        </p:txBody>
+      </p:sp>
+      <p:sp>
+        <p:nvSpPr>
+          <p:cNvPr id="4" name="日期占位符 3"/>
           <p:cNvSpPr>
             <a:spLocks noGrp="1"/>
           </p:cNvSpPr>
@@ -858,7 +752,6 @@
           <a:p>
             <a:fld id="{61C41E37-8B35-4ED8-90B5-FB74E3F2F2DA}" type="datetimeFigureOut">
               <a:rPr lang="zh-CN" altLang="en-US" smtClean="0"/>
-              <a:t>2021-08-01</a:t>
             </a:fld>
             <a:endParaRPr lang="zh-CN" altLang="en-US"/>
           </a:p>
@@ -866,13 +759,7 @@
       </p:sp>
       <p:sp>
         <p:nvSpPr>
-          <p:cNvPr id="5" name="页脚占位符 4">
-            <a:extLst>
-              <a:ext uri="{FF2B5EF4-FFF2-40B4-BE49-F238E27FC236}">
-                <a16:creationId xmlns:a16="http://schemas.microsoft.com/office/drawing/2014/main" id="{1ADAFFEE-6663-4347-9D11-94266AF5471F}"/>
-              </a:ext>
-            </a:extLst>
-          </p:cNvPr>
+          <p:cNvPr id="5" name="页脚占位符 4"/>
           <p:cNvSpPr>
             <a:spLocks noGrp="1"/>
           </p:cNvSpPr>
@@ -891,13 +778,7 @@
       </p:sp>
       <p:sp>
         <p:nvSpPr>
-          <p:cNvPr id="6" name="灯片编号占位符 5">
-            <a:extLst>
-              <a:ext uri="{FF2B5EF4-FFF2-40B4-BE49-F238E27FC236}">
-                <a16:creationId xmlns:a16="http://schemas.microsoft.com/office/drawing/2014/main" id="{48E9A542-494F-4967-9513-200C9E254037}"/>
-              </a:ext>
-            </a:extLst>
-          </p:cNvPr>
+          <p:cNvPr id="6" name="灯片编号占位符 5"/>
           <p:cNvSpPr>
             <a:spLocks noGrp="1"/>
           </p:cNvSpPr>
@@ -912,18 +793,12 @@
           <a:p>
             <a:fld id="{3974FA41-206F-438C-9DBE-EECB8D304AD9}" type="slidenum">
               <a:rPr lang="zh-CN" altLang="en-US" smtClean="0"/>
-              <a:t>‹#›</a:t>
             </a:fld>
             <a:endParaRPr lang="zh-CN" altLang="en-US"/>
           </a:p>
         </p:txBody>
       </p:sp>
     </p:spTree>
-    <p:extLst>
-      <p:ext uri="{BB962C8B-B14F-4D97-AF65-F5344CB8AC3E}">
-        <p14:creationId xmlns:p14="http://schemas.microsoft.com/office/powerpoint/2010/main" val="1789448679"/>
-      </p:ext>
-    </p:extLst>
   </p:cSld>
   <p:clrMapOvr>
     <a:masterClrMapping/>
@@ -950,13 +825,7 @@
       </p:grpSpPr>
       <p:sp>
         <p:nvSpPr>
-          <p:cNvPr id="2" name="标题 1">
-            <a:extLst>
-              <a:ext uri="{FF2B5EF4-FFF2-40B4-BE49-F238E27FC236}">
-                <a16:creationId xmlns:a16="http://schemas.microsoft.com/office/drawing/2014/main" id="{16AD43FF-3204-4638-80EE-68EDE1EDCC45}"/>
-              </a:ext>
-            </a:extLst>
-          </p:cNvPr>
+          <p:cNvPr id="2" name="标题 1"/>
           <p:cNvSpPr>
             <a:spLocks noGrp="1"/>
           </p:cNvSpPr>
@@ -982,18 +851,13 @@
               <a:rPr lang="zh-CN" altLang="en-US"/>
               <a:t>单击此处编辑母版标题样式</a:t>
             </a:r>
-          </a:p>
-        </p:txBody>
-      </p:sp>
-      <p:sp>
-        <p:nvSpPr>
-          <p:cNvPr id="3" name="文本占位符 2">
-            <a:extLst>
-              <a:ext uri="{FF2B5EF4-FFF2-40B4-BE49-F238E27FC236}">
-                <a16:creationId xmlns:a16="http://schemas.microsoft.com/office/drawing/2014/main" id="{8AAEB37B-C6D1-405D-AEE8-D675F9565626}"/>
-              </a:ext>
-            </a:extLst>
-          </p:cNvPr>
+            <a:endParaRPr lang="zh-CN" altLang="en-US"/>
+          </a:p>
+        </p:txBody>
+      </p:sp>
+      <p:sp>
+        <p:nvSpPr>
+          <p:cNvPr id="3" name="文本占位符 2"/>
           <p:cNvSpPr>
             <a:spLocks noGrp="1"/>
           </p:cNvSpPr>
@@ -1107,18 +971,13 @@
               <a:rPr lang="zh-CN" altLang="en-US"/>
               <a:t>单击此处编辑母版文本样式</a:t>
             </a:r>
-          </a:p>
-        </p:txBody>
-      </p:sp>
-      <p:sp>
-        <p:nvSpPr>
-          <p:cNvPr id="4" name="日期占位符 3">
-            <a:extLst>
-              <a:ext uri="{FF2B5EF4-FFF2-40B4-BE49-F238E27FC236}">
-                <a16:creationId xmlns:a16="http://schemas.microsoft.com/office/drawing/2014/main" id="{9D566298-A1F1-46C2-B7B3-569793D1A70E}"/>
-              </a:ext>
-            </a:extLst>
-          </p:cNvPr>
+            <a:endParaRPr lang="zh-CN" altLang="en-US"/>
+          </a:p>
+        </p:txBody>
+      </p:sp>
+      <p:sp>
+        <p:nvSpPr>
+          <p:cNvPr id="4" name="日期占位符 3"/>
           <p:cNvSpPr>
             <a:spLocks noGrp="1"/>
           </p:cNvSpPr>
@@ -1133,7 +992,6 @@
           <a:p>
             <a:fld id="{61C41E37-8B35-4ED8-90B5-FB74E3F2F2DA}" type="datetimeFigureOut">
               <a:rPr lang="zh-CN" altLang="en-US" smtClean="0"/>
-              <a:t>2021-08-01</a:t>
             </a:fld>
             <a:endParaRPr lang="zh-CN" altLang="en-US"/>
           </a:p>
@@ -1141,13 +999,7 @@
       </p:sp>
       <p:sp>
         <p:nvSpPr>
-          <p:cNvPr id="5" name="页脚占位符 4">
-            <a:extLst>
-              <a:ext uri="{FF2B5EF4-FFF2-40B4-BE49-F238E27FC236}">
-                <a16:creationId xmlns:a16="http://schemas.microsoft.com/office/drawing/2014/main" id="{47ED1FB7-D9DD-479C-8BB1-F3B96198C6FA}"/>
-              </a:ext>
-            </a:extLst>
-          </p:cNvPr>
+          <p:cNvPr id="5" name="页脚占位符 4"/>
           <p:cNvSpPr>
             <a:spLocks noGrp="1"/>
           </p:cNvSpPr>
@@ -1166,13 +1018,7 @@
       </p:sp>
       <p:sp>
         <p:nvSpPr>
-          <p:cNvPr id="6" name="灯片编号占位符 5">
-            <a:extLst>
-              <a:ext uri="{FF2B5EF4-FFF2-40B4-BE49-F238E27FC236}">
-                <a16:creationId xmlns:a16="http://schemas.microsoft.com/office/drawing/2014/main" id="{0A78B4A5-7A51-495C-B276-A49D920B283E}"/>
-              </a:ext>
-            </a:extLst>
-          </p:cNvPr>
+          <p:cNvPr id="6" name="灯片编号占位符 5"/>
           <p:cNvSpPr>
             <a:spLocks noGrp="1"/>
           </p:cNvSpPr>
@@ -1187,18 +1033,12 @@
           <a:p>
             <a:fld id="{3974FA41-206F-438C-9DBE-EECB8D304AD9}" type="slidenum">
               <a:rPr lang="zh-CN" altLang="en-US" smtClean="0"/>
-              <a:t>‹#›</a:t>
             </a:fld>
             <a:endParaRPr lang="zh-CN" altLang="en-US"/>
           </a:p>
         </p:txBody>
       </p:sp>
     </p:spTree>
-    <p:extLst>
-      <p:ext uri="{BB962C8B-B14F-4D97-AF65-F5344CB8AC3E}">
-        <p14:creationId xmlns:p14="http://schemas.microsoft.com/office/powerpoint/2010/main" val="154172282"/>
-      </p:ext>
-    </p:extLst>
   </p:cSld>
   <p:clrMapOvr>
     <a:masterClrMapping/>
@@ -1225,13 +1065,7 @@
       </p:grpSpPr>
       <p:sp>
         <p:nvSpPr>
-          <p:cNvPr id="2" name="标题 1">
-            <a:extLst>
-              <a:ext uri="{FF2B5EF4-FFF2-40B4-BE49-F238E27FC236}">
-                <a16:creationId xmlns:a16="http://schemas.microsoft.com/office/drawing/2014/main" id="{9D3474DB-CB8E-4CE3-855F-2171DF80F838}"/>
-              </a:ext>
-            </a:extLst>
-          </p:cNvPr>
+          <p:cNvPr id="2" name="标题 1"/>
           <p:cNvSpPr>
             <a:spLocks noGrp="1"/>
           </p:cNvSpPr>
@@ -1248,18 +1082,13 @@
               <a:rPr lang="zh-CN" altLang="en-US"/>
               <a:t>单击此处编辑母版标题样式</a:t>
             </a:r>
-          </a:p>
-        </p:txBody>
-      </p:sp>
-      <p:sp>
-        <p:nvSpPr>
-          <p:cNvPr id="3" name="内容占位符 2">
-            <a:extLst>
-              <a:ext uri="{FF2B5EF4-FFF2-40B4-BE49-F238E27FC236}">
-                <a16:creationId xmlns:a16="http://schemas.microsoft.com/office/drawing/2014/main" id="{75AC3A81-3795-4D2D-8AB5-F84BFD37FC1A}"/>
-              </a:ext>
-            </a:extLst>
-          </p:cNvPr>
+            <a:endParaRPr lang="zh-CN" altLang="en-US"/>
+          </a:p>
+        </p:txBody>
+      </p:sp>
+      <p:sp>
+        <p:nvSpPr>
+          <p:cNvPr id="3" name="内容占位符 2"/>
           <p:cNvSpPr>
             <a:spLocks noGrp="1"/>
           </p:cNvSpPr>
@@ -1282,6 +1111,7 @@
               <a:rPr lang="zh-CN" altLang="en-US"/>
               <a:t>单击此处编辑母版文本样式</a:t>
             </a:r>
+            <a:endParaRPr lang="zh-CN" altLang="en-US"/>
           </a:p>
           <a:p>
             <a:pPr lvl="1"/>
@@ -1289,6 +1119,7 @@
               <a:rPr lang="zh-CN" altLang="en-US"/>
               <a:t>二级</a:t>
             </a:r>
+            <a:endParaRPr lang="zh-CN" altLang="en-US"/>
           </a:p>
           <a:p>
             <a:pPr lvl="2"/>
@@ -1296,6 +1127,7 @@
               <a:rPr lang="zh-CN" altLang="en-US"/>
               <a:t>三级</a:t>
             </a:r>
+            <a:endParaRPr lang="zh-CN" altLang="en-US"/>
           </a:p>
           <a:p>
             <a:pPr lvl="3"/>
@@ -1303,6 +1135,7 @@
               <a:rPr lang="zh-CN" altLang="en-US"/>
               <a:t>四级</a:t>
             </a:r>
+            <a:endParaRPr lang="zh-CN" altLang="en-US"/>
           </a:p>
           <a:p>
             <a:pPr lvl="4"/>
@@ -1310,18 +1143,13 @@
               <a:rPr lang="zh-CN" altLang="en-US"/>
               <a:t>五级</a:t>
             </a:r>
-          </a:p>
-        </p:txBody>
-      </p:sp>
-      <p:sp>
-        <p:nvSpPr>
-          <p:cNvPr id="4" name="内容占位符 3">
-            <a:extLst>
-              <a:ext uri="{FF2B5EF4-FFF2-40B4-BE49-F238E27FC236}">
-                <a16:creationId xmlns:a16="http://schemas.microsoft.com/office/drawing/2014/main" id="{129428C6-D7B8-4BB4-83B9-542B9C009A1B}"/>
-              </a:ext>
-            </a:extLst>
-          </p:cNvPr>
+            <a:endParaRPr lang="zh-CN" altLang="en-US"/>
+          </a:p>
+        </p:txBody>
+      </p:sp>
+      <p:sp>
+        <p:nvSpPr>
+          <p:cNvPr id="4" name="内容占位符 3"/>
           <p:cNvSpPr>
             <a:spLocks noGrp="1"/>
           </p:cNvSpPr>
@@ -1344,6 +1172,7 @@
               <a:rPr lang="zh-CN" altLang="en-US"/>
               <a:t>单击此处编辑母版文本样式</a:t>
             </a:r>
+            <a:endParaRPr lang="zh-CN" altLang="en-US"/>
           </a:p>
           <a:p>
             <a:pPr lvl="1"/>
@@ -1351,6 +1180,7 @@
               <a:rPr lang="zh-CN" altLang="en-US"/>
               <a:t>二级</a:t>
             </a:r>
+            <a:endParaRPr lang="zh-CN" altLang="en-US"/>
           </a:p>
           <a:p>
             <a:pPr lvl="2"/>
@@ -1358,6 +1188,7 @@
               <a:rPr lang="zh-CN" altLang="en-US"/>
               <a:t>三级</a:t>
             </a:r>
+            <a:endParaRPr lang="zh-CN" altLang="en-US"/>
           </a:p>
           <a:p>
             <a:pPr lvl="3"/>
@@ -1365,6 +1196,7 @@
               <a:rPr lang="zh-CN" altLang="en-US"/>
               <a:t>四级</a:t>
             </a:r>
+            <a:endParaRPr lang="zh-CN" altLang="en-US"/>
           </a:p>
           <a:p>
             <a:pPr lvl="4"/>
@@ -1372,18 +1204,13 @@
               <a:rPr lang="zh-CN" altLang="en-US"/>
               <a:t>五级</a:t>
             </a:r>
-          </a:p>
-        </p:txBody>
-      </p:sp>
-      <p:sp>
-        <p:nvSpPr>
-          <p:cNvPr id="5" name="日期占位符 4">
-            <a:extLst>
-              <a:ext uri="{FF2B5EF4-FFF2-40B4-BE49-F238E27FC236}">
-                <a16:creationId xmlns:a16="http://schemas.microsoft.com/office/drawing/2014/main" id="{E1D8815E-5C72-4637-AA7F-FD057308E144}"/>
-              </a:ext>
-            </a:extLst>
-          </p:cNvPr>
+            <a:endParaRPr lang="zh-CN" altLang="en-US"/>
+          </a:p>
+        </p:txBody>
+      </p:sp>
+      <p:sp>
+        <p:nvSpPr>
+          <p:cNvPr id="5" name="日期占位符 4"/>
           <p:cNvSpPr>
             <a:spLocks noGrp="1"/>
           </p:cNvSpPr>
@@ -1398,7 +1225,6 @@
           <a:p>
             <a:fld id="{61C41E37-8B35-4ED8-90B5-FB74E3F2F2DA}" type="datetimeFigureOut">
               <a:rPr lang="zh-CN" altLang="en-US" smtClean="0"/>
-              <a:t>2021-08-01</a:t>
             </a:fld>
             <a:endParaRPr lang="zh-CN" altLang="en-US"/>
           </a:p>
@@ -1406,13 +1232,7 @@
       </p:sp>
       <p:sp>
         <p:nvSpPr>
-          <p:cNvPr id="6" name="页脚占位符 5">
-            <a:extLst>
-              <a:ext uri="{FF2B5EF4-FFF2-40B4-BE49-F238E27FC236}">
-                <a16:creationId xmlns:a16="http://schemas.microsoft.com/office/drawing/2014/main" id="{A676DD19-9822-4AD6-9870-F6EEC42EFDF1}"/>
-              </a:ext>
-            </a:extLst>
-          </p:cNvPr>
+          <p:cNvPr id="6" name="页脚占位符 5"/>
           <p:cNvSpPr>
             <a:spLocks noGrp="1"/>
           </p:cNvSpPr>
@@ -1431,13 +1251,7 @@
       </p:sp>
       <p:sp>
         <p:nvSpPr>
-          <p:cNvPr id="7" name="灯片编号占位符 6">
-            <a:extLst>
-              <a:ext uri="{FF2B5EF4-FFF2-40B4-BE49-F238E27FC236}">
-                <a16:creationId xmlns:a16="http://schemas.microsoft.com/office/drawing/2014/main" id="{20D1219B-EDD9-4241-AA1B-B29DB935FB98}"/>
-              </a:ext>
-            </a:extLst>
-          </p:cNvPr>
+          <p:cNvPr id="7" name="灯片编号占位符 6"/>
           <p:cNvSpPr>
             <a:spLocks noGrp="1"/>
           </p:cNvSpPr>
@@ -1452,18 +1266,12 @@
           <a:p>
             <a:fld id="{3974FA41-206F-438C-9DBE-EECB8D304AD9}" type="slidenum">
               <a:rPr lang="zh-CN" altLang="en-US" smtClean="0"/>
-              <a:t>‹#›</a:t>
             </a:fld>
             <a:endParaRPr lang="zh-CN" altLang="en-US"/>
           </a:p>
         </p:txBody>
       </p:sp>
     </p:spTree>
-    <p:extLst>
-      <p:ext uri="{BB962C8B-B14F-4D97-AF65-F5344CB8AC3E}">
-        <p14:creationId xmlns:p14="http://schemas.microsoft.com/office/powerpoint/2010/main" val="286313188"/>
-      </p:ext>
-    </p:extLst>
   </p:cSld>
   <p:clrMapOvr>
     <a:masterClrMapping/>
@@ -1490,13 +1298,7 @@
       </p:grpSpPr>
       <p:sp>
         <p:nvSpPr>
-          <p:cNvPr id="2" name="标题 1">
-            <a:extLst>
-              <a:ext uri="{FF2B5EF4-FFF2-40B4-BE49-F238E27FC236}">
-                <a16:creationId xmlns:a16="http://schemas.microsoft.com/office/drawing/2014/main" id="{3636BB74-AD0A-4D19-8269-24616544F214}"/>
-              </a:ext>
-            </a:extLst>
-          </p:cNvPr>
+          <p:cNvPr id="2" name="标题 1"/>
           <p:cNvSpPr>
             <a:spLocks noGrp="1"/>
           </p:cNvSpPr>
@@ -1518,18 +1320,13 @@
               <a:rPr lang="zh-CN" altLang="en-US"/>
               <a:t>单击此处编辑母版标题样式</a:t>
             </a:r>
-          </a:p>
-        </p:txBody>
-      </p:sp>
-      <p:sp>
-        <p:nvSpPr>
-          <p:cNvPr id="3" name="文本占位符 2">
-            <a:extLst>
-              <a:ext uri="{FF2B5EF4-FFF2-40B4-BE49-F238E27FC236}">
-                <a16:creationId xmlns:a16="http://schemas.microsoft.com/office/drawing/2014/main" id="{6F66A752-EAE9-4A15-A502-4ECADA30C722}"/>
-              </a:ext>
-            </a:extLst>
-          </p:cNvPr>
+            <a:endParaRPr lang="zh-CN" altLang="en-US"/>
+          </a:p>
+        </p:txBody>
+      </p:sp>
+      <p:sp>
+        <p:nvSpPr>
+          <p:cNvPr id="3" name="文本占位符 2"/>
           <p:cNvSpPr>
             <a:spLocks noGrp="1"/>
           </p:cNvSpPr>
@@ -1589,18 +1386,13 @@
               <a:rPr lang="zh-CN" altLang="en-US"/>
               <a:t>单击此处编辑母版文本样式</a:t>
             </a:r>
-          </a:p>
-        </p:txBody>
-      </p:sp>
-      <p:sp>
-        <p:nvSpPr>
-          <p:cNvPr id="4" name="内容占位符 3">
-            <a:extLst>
-              <a:ext uri="{FF2B5EF4-FFF2-40B4-BE49-F238E27FC236}">
-                <a16:creationId xmlns:a16="http://schemas.microsoft.com/office/drawing/2014/main" id="{B2583CE2-4800-4F36-9D88-4E6817CBC0A9}"/>
-              </a:ext>
-            </a:extLst>
-          </p:cNvPr>
+            <a:endParaRPr lang="zh-CN" altLang="en-US"/>
+          </a:p>
+        </p:txBody>
+      </p:sp>
+      <p:sp>
+        <p:nvSpPr>
+          <p:cNvPr id="4" name="内容占位符 3"/>
           <p:cNvSpPr>
             <a:spLocks noGrp="1"/>
           </p:cNvSpPr>
@@ -1623,6 +1415,7 @@
               <a:rPr lang="zh-CN" altLang="en-US"/>
               <a:t>单击此处编辑母版文本样式</a:t>
             </a:r>
+            <a:endParaRPr lang="zh-CN" altLang="en-US"/>
           </a:p>
           <a:p>
             <a:pPr lvl="1"/>
@@ -1630,6 +1423,7 @@
               <a:rPr lang="zh-CN" altLang="en-US"/>
               <a:t>二级</a:t>
             </a:r>
+            <a:endParaRPr lang="zh-CN" altLang="en-US"/>
           </a:p>
           <a:p>
             <a:pPr lvl="2"/>
@@ -1637,6 +1431,7 @@
               <a:rPr lang="zh-CN" altLang="en-US"/>
               <a:t>三级</a:t>
             </a:r>
+            <a:endParaRPr lang="zh-CN" altLang="en-US"/>
           </a:p>
           <a:p>
             <a:pPr lvl="3"/>
@@ -1644,6 +1439,7 @@
               <a:rPr lang="zh-CN" altLang="en-US"/>
               <a:t>四级</a:t>
             </a:r>
+            <a:endParaRPr lang="zh-CN" altLang="en-US"/>
           </a:p>
           <a:p>
             <a:pPr lvl="4"/>
@@ -1651,18 +1447,13 @@
               <a:rPr lang="zh-CN" altLang="en-US"/>
               <a:t>五级</a:t>
             </a:r>
-          </a:p>
-        </p:txBody>
-      </p:sp>
-      <p:sp>
-        <p:nvSpPr>
-          <p:cNvPr id="5" name="文本占位符 4">
-            <a:extLst>
-              <a:ext uri="{FF2B5EF4-FFF2-40B4-BE49-F238E27FC236}">
-                <a16:creationId xmlns:a16="http://schemas.microsoft.com/office/drawing/2014/main" id="{EBA8BB96-0F1B-42A1-8B45-A122A52E46D9}"/>
-              </a:ext>
-            </a:extLst>
-          </p:cNvPr>
+            <a:endParaRPr lang="zh-CN" altLang="en-US"/>
+          </a:p>
+        </p:txBody>
+      </p:sp>
+      <p:sp>
+        <p:nvSpPr>
+          <p:cNvPr id="5" name="文本占位符 4"/>
           <p:cNvSpPr>
             <a:spLocks noGrp="1"/>
           </p:cNvSpPr>
@@ -1722,18 +1513,13 @@
               <a:rPr lang="zh-CN" altLang="en-US"/>
               <a:t>单击此处编辑母版文本样式</a:t>
             </a:r>
-          </a:p>
-        </p:txBody>
-      </p:sp>
-      <p:sp>
-        <p:nvSpPr>
-          <p:cNvPr id="6" name="内容占位符 5">
-            <a:extLst>
-              <a:ext uri="{FF2B5EF4-FFF2-40B4-BE49-F238E27FC236}">
-                <a16:creationId xmlns:a16="http://schemas.microsoft.com/office/drawing/2014/main" id="{F4F2E7D3-10B5-4D5F-A49C-F4ABDB1A8507}"/>
-              </a:ext>
-            </a:extLst>
-          </p:cNvPr>
+            <a:endParaRPr lang="zh-CN" altLang="en-US"/>
+          </a:p>
+        </p:txBody>
+      </p:sp>
+      <p:sp>
+        <p:nvSpPr>
+          <p:cNvPr id="6" name="内容占位符 5"/>
           <p:cNvSpPr>
             <a:spLocks noGrp="1"/>
           </p:cNvSpPr>
@@ -1756,6 +1542,7 @@
               <a:rPr lang="zh-CN" altLang="en-US"/>
               <a:t>单击此处编辑母版文本样式</a:t>
             </a:r>
+            <a:endParaRPr lang="zh-CN" altLang="en-US"/>
           </a:p>
           <a:p>
             <a:pPr lvl="1"/>
@@ -1763,6 +1550,7 @@
               <a:rPr lang="zh-CN" altLang="en-US"/>
               <a:t>二级</a:t>
             </a:r>
+            <a:endParaRPr lang="zh-CN" altLang="en-US"/>
           </a:p>
           <a:p>
             <a:pPr lvl="2"/>
@@ -1770,6 +1558,7 @@
               <a:rPr lang="zh-CN" altLang="en-US"/>
               <a:t>三级</a:t>
             </a:r>
+            <a:endParaRPr lang="zh-CN" altLang="en-US"/>
           </a:p>
           <a:p>
             <a:pPr lvl="3"/>
@@ -1777,6 +1566,7 @@
               <a:rPr lang="zh-CN" altLang="en-US"/>
               <a:t>四级</a:t>
             </a:r>
+            <a:endParaRPr lang="zh-CN" altLang="en-US"/>
           </a:p>
           <a:p>
             <a:pPr lvl="4"/>
@@ -1784,18 +1574,13 @@
               <a:rPr lang="zh-CN" altLang="en-US"/>
               <a:t>五级</a:t>
             </a:r>
-          </a:p>
-        </p:txBody>
-      </p:sp>
-      <p:sp>
-        <p:nvSpPr>
-          <p:cNvPr id="7" name="日期占位符 6">
-            <a:extLst>
-              <a:ext uri="{FF2B5EF4-FFF2-40B4-BE49-F238E27FC236}">
-                <a16:creationId xmlns:a16="http://schemas.microsoft.com/office/drawing/2014/main" id="{BA60D4A0-22F8-4F9B-8B77-E866A582EA71}"/>
-              </a:ext>
-            </a:extLst>
-          </p:cNvPr>
+            <a:endParaRPr lang="zh-CN" altLang="en-US"/>
+          </a:p>
+        </p:txBody>
+      </p:sp>
+      <p:sp>
+        <p:nvSpPr>
+          <p:cNvPr id="7" name="日期占位符 6"/>
           <p:cNvSpPr>
             <a:spLocks noGrp="1"/>
           </p:cNvSpPr>
@@ -1810,7 +1595,6 @@
           <a:p>
             <a:fld id="{61C41E37-8B35-4ED8-90B5-FB74E3F2F2DA}" type="datetimeFigureOut">
               <a:rPr lang="zh-CN" altLang="en-US" smtClean="0"/>
-              <a:t>2021-08-01</a:t>
             </a:fld>
             <a:endParaRPr lang="zh-CN" altLang="en-US"/>
           </a:p>
@@ -1818,13 +1602,7 @@
       </p:sp>
       <p:sp>
         <p:nvSpPr>
-          <p:cNvPr id="8" name="页脚占位符 7">
-            <a:extLst>
-              <a:ext uri="{FF2B5EF4-FFF2-40B4-BE49-F238E27FC236}">
-                <a16:creationId xmlns:a16="http://schemas.microsoft.com/office/drawing/2014/main" id="{04E886F3-AFB7-42CD-BA00-FE22556877B0}"/>
-              </a:ext>
-            </a:extLst>
-          </p:cNvPr>
+          <p:cNvPr id="8" name="页脚占位符 7"/>
           <p:cNvSpPr>
             <a:spLocks noGrp="1"/>
           </p:cNvSpPr>
@@ -1843,13 +1621,7 @@
       </p:sp>
       <p:sp>
         <p:nvSpPr>
-          <p:cNvPr id="9" name="灯片编号占位符 8">
-            <a:extLst>
-              <a:ext uri="{FF2B5EF4-FFF2-40B4-BE49-F238E27FC236}">
-                <a16:creationId xmlns:a16="http://schemas.microsoft.com/office/drawing/2014/main" id="{C950C198-E4EC-41F8-806D-137CF55CCF52}"/>
-              </a:ext>
-            </a:extLst>
-          </p:cNvPr>
+          <p:cNvPr id="9" name="灯片编号占位符 8"/>
           <p:cNvSpPr>
             <a:spLocks noGrp="1"/>
           </p:cNvSpPr>
@@ -1864,18 +1636,12 @@
           <a:p>
             <a:fld id="{3974FA41-206F-438C-9DBE-EECB8D304AD9}" type="slidenum">
               <a:rPr lang="zh-CN" altLang="en-US" smtClean="0"/>
-              <a:t>‹#›</a:t>
             </a:fld>
             <a:endParaRPr lang="zh-CN" altLang="en-US"/>
           </a:p>
         </p:txBody>
       </p:sp>
     </p:spTree>
-    <p:extLst>
-      <p:ext uri="{BB962C8B-B14F-4D97-AF65-F5344CB8AC3E}">
-        <p14:creationId xmlns:p14="http://schemas.microsoft.com/office/powerpoint/2010/main" val="728240602"/>
-      </p:ext>
-    </p:extLst>
   </p:cSld>
   <p:clrMapOvr>
     <a:masterClrMapping/>
@@ -1902,13 +1668,7 @@
       </p:grpSpPr>
       <p:sp>
         <p:nvSpPr>
-          <p:cNvPr id="2" name="标题 1">
-            <a:extLst>
-              <a:ext uri="{FF2B5EF4-FFF2-40B4-BE49-F238E27FC236}">
-                <a16:creationId xmlns:a16="http://schemas.microsoft.com/office/drawing/2014/main" id="{EE135163-FDEE-4E4D-A46B-0EE2C6FF74BF}"/>
-              </a:ext>
-            </a:extLst>
-          </p:cNvPr>
+          <p:cNvPr id="2" name="标题 1"/>
           <p:cNvSpPr>
             <a:spLocks noGrp="1"/>
           </p:cNvSpPr>
@@ -1925,18 +1685,13 @@
               <a:rPr lang="zh-CN" altLang="en-US"/>
               <a:t>单击此处编辑母版标题样式</a:t>
             </a:r>
-          </a:p>
-        </p:txBody>
-      </p:sp>
-      <p:sp>
-        <p:nvSpPr>
-          <p:cNvPr id="3" name="日期占位符 2">
-            <a:extLst>
-              <a:ext uri="{FF2B5EF4-FFF2-40B4-BE49-F238E27FC236}">
-                <a16:creationId xmlns:a16="http://schemas.microsoft.com/office/drawing/2014/main" id="{CFE4225A-655D-4C6B-AC0B-E6A15007C204}"/>
-              </a:ext>
-            </a:extLst>
-          </p:cNvPr>
+            <a:endParaRPr lang="zh-CN" altLang="en-US"/>
+          </a:p>
+        </p:txBody>
+      </p:sp>
+      <p:sp>
+        <p:nvSpPr>
+          <p:cNvPr id="3" name="日期占位符 2"/>
           <p:cNvSpPr>
             <a:spLocks noGrp="1"/>
           </p:cNvSpPr>
@@ -1951,7 +1706,6 @@
           <a:p>
             <a:fld id="{61C41E37-8B35-4ED8-90B5-FB74E3F2F2DA}" type="datetimeFigureOut">
               <a:rPr lang="zh-CN" altLang="en-US" smtClean="0"/>
-              <a:t>2021-08-01</a:t>
             </a:fld>
             <a:endParaRPr lang="zh-CN" altLang="en-US"/>
           </a:p>
@@ -1959,13 +1713,7 @@
       </p:sp>
       <p:sp>
         <p:nvSpPr>
-          <p:cNvPr id="4" name="页脚占位符 3">
-            <a:extLst>
-              <a:ext uri="{FF2B5EF4-FFF2-40B4-BE49-F238E27FC236}">
-                <a16:creationId xmlns:a16="http://schemas.microsoft.com/office/drawing/2014/main" id="{98FD434C-EE16-4306-8E6A-97305E679F49}"/>
-              </a:ext>
-            </a:extLst>
-          </p:cNvPr>
+          <p:cNvPr id="4" name="页脚占位符 3"/>
           <p:cNvSpPr>
             <a:spLocks noGrp="1"/>
           </p:cNvSpPr>
@@ -1984,13 +1732,7 @@
       </p:sp>
       <p:sp>
         <p:nvSpPr>
-          <p:cNvPr id="5" name="灯片编号占位符 4">
-            <a:extLst>
-              <a:ext uri="{FF2B5EF4-FFF2-40B4-BE49-F238E27FC236}">
-                <a16:creationId xmlns:a16="http://schemas.microsoft.com/office/drawing/2014/main" id="{D1B93EFC-7CCB-443B-8D8E-237848A8EED4}"/>
-              </a:ext>
-            </a:extLst>
-          </p:cNvPr>
+          <p:cNvPr id="5" name="灯片编号占位符 4"/>
           <p:cNvSpPr>
             <a:spLocks noGrp="1"/>
           </p:cNvSpPr>
@@ -2005,18 +1747,12 @@
           <a:p>
             <a:fld id="{3974FA41-206F-438C-9DBE-EECB8D304AD9}" type="slidenum">
               <a:rPr lang="zh-CN" altLang="en-US" smtClean="0"/>
-              <a:t>‹#›</a:t>
             </a:fld>
             <a:endParaRPr lang="zh-CN" altLang="en-US"/>
           </a:p>
         </p:txBody>
       </p:sp>
     </p:spTree>
-    <p:extLst>
-      <p:ext uri="{BB962C8B-B14F-4D97-AF65-F5344CB8AC3E}">
-        <p14:creationId xmlns:p14="http://schemas.microsoft.com/office/powerpoint/2010/main" val="497069468"/>
-      </p:ext>
-    </p:extLst>
   </p:cSld>
   <p:clrMapOvr>
     <a:masterClrMapping/>
@@ -2043,13 +1779,7 @@
       </p:grpSpPr>
       <p:sp>
         <p:nvSpPr>
-          <p:cNvPr id="2" name="日期占位符 1">
-            <a:extLst>
-              <a:ext uri="{FF2B5EF4-FFF2-40B4-BE49-F238E27FC236}">
-                <a16:creationId xmlns:a16="http://schemas.microsoft.com/office/drawing/2014/main" id="{C76D18C9-14F6-4B89-99BD-3DA12D1213E4}"/>
-              </a:ext>
-            </a:extLst>
-          </p:cNvPr>
+          <p:cNvPr id="2" name="日期占位符 1"/>
           <p:cNvSpPr>
             <a:spLocks noGrp="1"/>
           </p:cNvSpPr>
@@ -2064,7 +1794,6 @@
           <a:p>
             <a:fld id="{61C41E37-8B35-4ED8-90B5-FB74E3F2F2DA}" type="datetimeFigureOut">
               <a:rPr lang="zh-CN" altLang="en-US" smtClean="0"/>
-              <a:t>2021-08-01</a:t>
             </a:fld>
             <a:endParaRPr lang="zh-CN" altLang="en-US"/>
           </a:p>
@@ -2072,13 +1801,7 @@
       </p:sp>
       <p:sp>
         <p:nvSpPr>
-          <p:cNvPr id="3" name="页脚占位符 2">
-            <a:extLst>
-              <a:ext uri="{FF2B5EF4-FFF2-40B4-BE49-F238E27FC236}">
-                <a16:creationId xmlns:a16="http://schemas.microsoft.com/office/drawing/2014/main" id="{FC6A26AA-17F8-4953-9EDC-AB2CBB779D27}"/>
-              </a:ext>
-            </a:extLst>
-          </p:cNvPr>
+          <p:cNvPr id="3" name="页脚占位符 2"/>
           <p:cNvSpPr>
             <a:spLocks noGrp="1"/>
           </p:cNvSpPr>
@@ -2097,13 +1820,7 @@
       </p:sp>
       <p:sp>
         <p:nvSpPr>
-          <p:cNvPr id="4" name="灯片编号占位符 3">
-            <a:extLst>
-              <a:ext uri="{FF2B5EF4-FFF2-40B4-BE49-F238E27FC236}">
-                <a16:creationId xmlns:a16="http://schemas.microsoft.com/office/drawing/2014/main" id="{A60E77C0-CC56-471D-91FA-8FFCEFCD8625}"/>
-              </a:ext>
-            </a:extLst>
-          </p:cNvPr>
+          <p:cNvPr id="4" name="灯片编号占位符 3"/>
           <p:cNvSpPr>
             <a:spLocks noGrp="1"/>
           </p:cNvSpPr>
@@ -2118,18 +1835,12 @@
           <a:p>
             <a:fld id="{3974FA41-206F-438C-9DBE-EECB8D304AD9}" type="slidenum">
               <a:rPr lang="zh-CN" altLang="en-US" smtClean="0"/>
-              <a:t>‹#›</a:t>
             </a:fld>
             <a:endParaRPr lang="zh-CN" altLang="en-US"/>
           </a:p>
         </p:txBody>
       </p:sp>
     </p:spTree>
-    <p:extLst>
-      <p:ext uri="{BB962C8B-B14F-4D97-AF65-F5344CB8AC3E}">
-        <p14:creationId xmlns:p14="http://schemas.microsoft.com/office/powerpoint/2010/main" val="3912732202"/>
-      </p:ext>
-    </p:extLst>
   </p:cSld>
   <p:clrMapOvr>
     <a:masterClrMapping/>
@@ -2156,13 +1867,7 @@
       </p:grpSpPr>
       <p:sp>
         <p:nvSpPr>
-          <p:cNvPr id="2" name="标题 1">
-            <a:extLst>
-              <a:ext uri="{FF2B5EF4-FFF2-40B4-BE49-F238E27FC236}">
-                <a16:creationId xmlns:a16="http://schemas.microsoft.com/office/drawing/2014/main" id="{1C1B65D9-B106-4071-810F-FB6EBB6ACC90}"/>
-              </a:ext>
-            </a:extLst>
-          </p:cNvPr>
+          <p:cNvPr id="2" name="标题 1"/>
           <p:cNvSpPr>
             <a:spLocks noGrp="1"/>
           </p:cNvSpPr>
@@ -2188,18 +1893,13 @@
               <a:rPr lang="zh-CN" altLang="en-US"/>
               <a:t>单击此处编辑母版标题样式</a:t>
             </a:r>
-          </a:p>
-        </p:txBody>
-      </p:sp>
-      <p:sp>
-        <p:nvSpPr>
-          <p:cNvPr id="3" name="内容占位符 2">
-            <a:extLst>
-              <a:ext uri="{FF2B5EF4-FFF2-40B4-BE49-F238E27FC236}">
-                <a16:creationId xmlns:a16="http://schemas.microsoft.com/office/drawing/2014/main" id="{DC57512D-528F-4117-8104-021687667919}"/>
-              </a:ext>
-            </a:extLst>
-          </p:cNvPr>
+            <a:endParaRPr lang="zh-CN" altLang="en-US"/>
+          </a:p>
+        </p:txBody>
+      </p:sp>
+      <p:sp>
+        <p:nvSpPr>
+          <p:cNvPr id="3" name="内容占位符 2"/>
           <p:cNvSpPr>
             <a:spLocks noGrp="1"/>
           </p:cNvSpPr>
@@ -2250,6 +1950,7 @@
               <a:rPr lang="zh-CN" altLang="en-US"/>
               <a:t>单击此处编辑母版文本样式</a:t>
             </a:r>
+            <a:endParaRPr lang="zh-CN" altLang="en-US"/>
           </a:p>
           <a:p>
             <a:pPr lvl="1"/>
@@ -2257,6 +1958,7 @@
               <a:rPr lang="zh-CN" altLang="en-US"/>
               <a:t>二级</a:t>
             </a:r>
+            <a:endParaRPr lang="zh-CN" altLang="en-US"/>
           </a:p>
           <a:p>
             <a:pPr lvl="2"/>
@@ -2264,6 +1966,7 @@
               <a:rPr lang="zh-CN" altLang="en-US"/>
               <a:t>三级</a:t>
             </a:r>
+            <a:endParaRPr lang="zh-CN" altLang="en-US"/>
           </a:p>
           <a:p>
             <a:pPr lvl="3"/>
@@ -2271,6 +1974,7 @@
               <a:rPr lang="zh-CN" altLang="en-US"/>
               <a:t>四级</a:t>
             </a:r>
+            <a:endParaRPr lang="zh-CN" altLang="en-US"/>
           </a:p>
           <a:p>
             <a:pPr lvl="4"/>
@@ -2278,18 +1982,13 @@
               <a:rPr lang="zh-CN" altLang="en-US"/>
               <a:t>五级</a:t>
             </a:r>
-          </a:p>
-        </p:txBody>
-      </p:sp>
-      <p:sp>
-        <p:nvSpPr>
-          <p:cNvPr id="4" name="文本占位符 3">
-            <a:extLst>
-              <a:ext uri="{FF2B5EF4-FFF2-40B4-BE49-F238E27FC236}">
-                <a16:creationId xmlns:a16="http://schemas.microsoft.com/office/drawing/2014/main" id="{6F58D761-88D5-4907-8096-BD996214518B}"/>
-              </a:ext>
-            </a:extLst>
-          </p:cNvPr>
+            <a:endParaRPr lang="zh-CN" altLang="en-US"/>
+          </a:p>
+        </p:txBody>
+      </p:sp>
+      <p:sp>
+        <p:nvSpPr>
+          <p:cNvPr id="4" name="文本占位符 3"/>
           <p:cNvSpPr>
             <a:spLocks noGrp="1"/>
           </p:cNvSpPr>
@@ -2349,18 +2048,13 @@
               <a:rPr lang="zh-CN" altLang="en-US"/>
               <a:t>单击此处编辑母版文本样式</a:t>
             </a:r>
-          </a:p>
-        </p:txBody>
-      </p:sp>
-      <p:sp>
-        <p:nvSpPr>
-          <p:cNvPr id="5" name="日期占位符 4">
-            <a:extLst>
-              <a:ext uri="{FF2B5EF4-FFF2-40B4-BE49-F238E27FC236}">
-                <a16:creationId xmlns:a16="http://schemas.microsoft.com/office/drawing/2014/main" id="{C120D977-2487-4E27-B4B1-B76618EA6852}"/>
-              </a:ext>
-            </a:extLst>
-          </p:cNvPr>
+            <a:endParaRPr lang="zh-CN" altLang="en-US"/>
+          </a:p>
+        </p:txBody>
+      </p:sp>
+      <p:sp>
+        <p:nvSpPr>
+          <p:cNvPr id="5" name="日期占位符 4"/>
           <p:cNvSpPr>
             <a:spLocks noGrp="1"/>
           </p:cNvSpPr>
@@ -2375,7 +2069,6 @@
           <a:p>
             <a:fld id="{61C41E37-8B35-4ED8-90B5-FB74E3F2F2DA}" type="datetimeFigureOut">
               <a:rPr lang="zh-CN" altLang="en-US" smtClean="0"/>
-              <a:t>2021-08-01</a:t>
             </a:fld>
             <a:endParaRPr lang="zh-CN" altLang="en-US"/>
           </a:p>
@@ -2383,13 +2076,7 @@
       </p:sp>
       <p:sp>
         <p:nvSpPr>
-          <p:cNvPr id="6" name="页脚占位符 5">
-            <a:extLst>
-              <a:ext uri="{FF2B5EF4-FFF2-40B4-BE49-F238E27FC236}">
-                <a16:creationId xmlns:a16="http://schemas.microsoft.com/office/drawing/2014/main" id="{8FC17B03-16EF-4A08-90D4-65BBBBC26A00}"/>
-              </a:ext>
-            </a:extLst>
-          </p:cNvPr>
+          <p:cNvPr id="6" name="页脚占位符 5"/>
           <p:cNvSpPr>
             <a:spLocks noGrp="1"/>
           </p:cNvSpPr>
@@ -2408,13 +2095,7 @@
       </p:sp>
       <p:sp>
         <p:nvSpPr>
-          <p:cNvPr id="7" name="灯片编号占位符 6">
-            <a:extLst>
-              <a:ext uri="{FF2B5EF4-FFF2-40B4-BE49-F238E27FC236}">
-                <a16:creationId xmlns:a16="http://schemas.microsoft.com/office/drawing/2014/main" id="{C2A1D701-4164-4215-9158-BA84648F9704}"/>
-              </a:ext>
-            </a:extLst>
-          </p:cNvPr>
+          <p:cNvPr id="7" name="灯片编号占位符 6"/>
           <p:cNvSpPr>
             <a:spLocks noGrp="1"/>
           </p:cNvSpPr>
@@ -2429,18 +2110,12 @@
           <a:p>
             <a:fld id="{3974FA41-206F-438C-9DBE-EECB8D304AD9}" type="slidenum">
               <a:rPr lang="zh-CN" altLang="en-US" smtClean="0"/>
-              <a:t>‹#›</a:t>
             </a:fld>
             <a:endParaRPr lang="zh-CN" altLang="en-US"/>
           </a:p>
         </p:txBody>
       </p:sp>
     </p:spTree>
-    <p:extLst>
-      <p:ext uri="{BB962C8B-B14F-4D97-AF65-F5344CB8AC3E}">
-        <p14:creationId xmlns:p14="http://schemas.microsoft.com/office/powerpoint/2010/main" val="562711265"/>
-      </p:ext>
-    </p:extLst>
   </p:cSld>
   <p:clrMapOvr>
     <a:masterClrMapping/>
@@ -2467,13 +2142,7 @@
       </p:grpSpPr>
       <p:sp>
         <p:nvSpPr>
-          <p:cNvPr id="2" name="标题 1">
-            <a:extLst>
-              <a:ext uri="{FF2B5EF4-FFF2-40B4-BE49-F238E27FC236}">
-                <a16:creationId xmlns:a16="http://schemas.microsoft.com/office/drawing/2014/main" id="{D721E0DA-C958-4BB1-BF1A-3655DFF8EE99}"/>
-              </a:ext>
-            </a:extLst>
-          </p:cNvPr>
+          <p:cNvPr id="2" name="标题 1"/>
           <p:cNvSpPr>
             <a:spLocks noGrp="1"/>
           </p:cNvSpPr>
@@ -2499,18 +2168,13 @@
               <a:rPr lang="zh-CN" altLang="en-US"/>
               <a:t>单击此处编辑母版标题样式</a:t>
             </a:r>
-          </a:p>
-        </p:txBody>
-      </p:sp>
-      <p:sp>
-        <p:nvSpPr>
-          <p:cNvPr id="3" name="图片占位符 2">
-            <a:extLst>
-              <a:ext uri="{FF2B5EF4-FFF2-40B4-BE49-F238E27FC236}">
-                <a16:creationId xmlns:a16="http://schemas.microsoft.com/office/drawing/2014/main" id="{0549CDAA-64D7-477A-944D-84DBEEE178B1}"/>
-              </a:ext>
-            </a:extLst>
-          </p:cNvPr>
+            <a:endParaRPr lang="zh-CN" altLang="en-US"/>
+          </a:p>
+        </p:txBody>
+      </p:sp>
+      <p:sp>
+        <p:nvSpPr>
+          <p:cNvPr id="3" name="图片占位符 2"/>
           <p:cNvSpPr>
             <a:spLocks noGrp="1"/>
           </p:cNvSpPr>
@@ -2571,13 +2235,7 @@
       </p:sp>
       <p:sp>
         <p:nvSpPr>
-          <p:cNvPr id="4" name="文本占位符 3">
-            <a:extLst>
-              <a:ext uri="{FF2B5EF4-FFF2-40B4-BE49-F238E27FC236}">
-                <a16:creationId xmlns:a16="http://schemas.microsoft.com/office/drawing/2014/main" id="{136E2B14-796B-4DDD-8060-91D4B9744FE2}"/>
-              </a:ext>
-            </a:extLst>
-          </p:cNvPr>
+          <p:cNvPr id="4" name="文本占位符 3"/>
           <p:cNvSpPr>
             <a:spLocks noGrp="1"/>
           </p:cNvSpPr>
@@ -2637,18 +2295,13 @@
               <a:rPr lang="zh-CN" altLang="en-US"/>
               <a:t>单击此处编辑母版文本样式</a:t>
             </a:r>
-          </a:p>
-        </p:txBody>
-      </p:sp>
-      <p:sp>
-        <p:nvSpPr>
-          <p:cNvPr id="5" name="日期占位符 4">
-            <a:extLst>
-              <a:ext uri="{FF2B5EF4-FFF2-40B4-BE49-F238E27FC236}">
-                <a16:creationId xmlns:a16="http://schemas.microsoft.com/office/drawing/2014/main" id="{227A5369-CB8C-4216-B78A-ACF4929EC623}"/>
-              </a:ext>
-            </a:extLst>
-          </p:cNvPr>
+            <a:endParaRPr lang="zh-CN" altLang="en-US"/>
+          </a:p>
+        </p:txBody>
+      </p:sp>
+      <p:sp>
+        <p:nvSpPr>
+          <p:cNvPr id="5" name="日期占位符 4"/>
           <p:cNvSpPr>
             <a:spLocks noGrp="1"/>
           </p:cNvSpPr>
@@ -2663,7 +2316,6 @@
           <a:p>
             <a:fld id="{61C41E37-8B35-4ED8-90B5-FB74E3F2F2DA}" type="datetimeFigureOut">
               <a:rPr lang="zh-CN" altLang="en-US" smtClean="0"/>
-              <a:t>2021-08-01</a:t>
             </a:fld>
             <a:endParaRPr lang="zh-CN" altLang="en-US"/>
           </a:p>
@@ -2671,13 +2323,7 @@
       </p:sp>
       <p:sp>
         <p:nvSpPr>
-          <p:cNvPr id="6" name="页脚占位符 5">
-            <a:extLst>
-              <a:ext uri="{FF2B5EF4-FFF2-40B4-BE49-F238E27FC236}">
-                <a16:creationId xmlns:a16="http://schemas.microsoft.com/office/drawing/2014/main" id="{316307CF-838B-48D9-BA07-463BDCC4589C}"/>
-              </a:ext>
-            </a:extLst>
-          </p:cNvPr>
+          <p:cNvPr id="6" name="页脚占位符 5"/>
           <p:cNvSpPr>
             <a:spLocks noGrp="1"/>
           </p:cNvSpPr>
@@ -2696,13 +2342,7 @@
       </p:sp>
       <p:sp>
         <p:nvSpPr>
-          <p:cNvPr id="7" name="灯片编号占位符 6">
-            <a:extLst>
-              <a:ext uri="{FF2B5EF4-FFF2-40B4-BE49-F238E27FC236}">
-                <a16:creationId xmlns:a16="http://schemas.microsoft.com/office/drawing/2014/main" id="{801DCCD3-6EBD-4943-B2C7-A46E4C065DFC}"/>
-              </a:ext>
-            </a:extLst>
-          </p:cNvPr>
+          <p:cNvPr id="7" name="灯片编号占位符 6"/>
           <p:cNvSpPr>
             <a:spLocks noGrp="1"/>
           </p:cNvSpPr>
@@ -2717,18 +2357,12 @@
           <a:p>
             <a:fld id="{3974FA41-206F-438C-9DBE-EECB8D304AD9}" type="slidenum">
               <a:rPr lang="zh-CN" altLang="en-US" smtClean="0"/>
-              <a:t>‹#›</a:t>
             </a:fld>
             <a:endParaRPr lang="zh-CN" altLang="en-US"/>
           </a:p>
         </p:txBody>
       </p:sp>
     </p:spTree>
-    <p:extLst>
-      <p:ext uri="{BB962C8B-B14F-4D97-AF65-F5344CB8AC3E}">
-        <p14:creationId xmlns:p14="http://schemas.microsoft.com/office/powerpoint/2010/main" val="1980815710"/>
-      </p:ext>
-    </p:extLst>
   </p:cSld>
   <p:clrMapOvr>
     <a:masterClrMapping/>
@@ -2760,13 +2394,7 @@
       </p:grpSpPr>
       <p:sp>
         <p:nvSpPr>
-          <p:cNvPr id="2" name="标题占位符 1">
-            <a:extLst>
-              <a:ext uri="{FF2B5EF4-FFF2-40B4-BE49-F238E27FC236}">
-                <a16:creationId xmlns:a16="http://schemas.microsoft.com/office/drawing/2014/main" id="{F9592CF7-393D-4CEF-B0B8-45B1DCBC8FE9}"/>
-              </a:ext>
-            </a:extLst>
-          </p:cNvPr>
+          <p:cNvPr id="2" name="标题占位符 1"/>
           <p:cNvSpPr>
             <a:spLocks noGrp="1"/>
           </p:cNvSpPr>
@@ -2793,18 +2421,13 @@
               <a:rPr lang="zh-CN" altLang="en-US"/>
               <a:t>单击此处编辑母版标题样式</a:t>
             </a:r>
-          </a:p>
-        </p:txBody>
-      </p:sp>
-      <p:sp>
-        <p:nvSpPr>
-          <p:cNvPr id="3" name="文本占位符 2">
-            <a:extLst>
-              <a:ext uri="{FF2B5EF4-FFF2-40B4-BE49-F238E27FC236}">
-                <a16:creationId xmlns:a16="http://schemas.microsoft.com/office/drawing/2014/main" id="{0B5B5354-C1EF-4CAA-ADDE-94DCB6F7E333}"/>
-              </a:ext>
-            </a:extLst>
-          </p:cNvPr>
+            <a:endParaRPr lang="zh-CN" altLang="en-US"/>
+          </a:p>
+        </p:txBody>
+      </p:sp>
+      <p:sp>
+        <p:nvSpPr>
+          <p:cNvPr id="3" name="文本占位符 2"/>
           <p:cNvSpPr>
             <a:spLocks noGrp="1"/>
           </p:cNvSpPr>
@@ -2832,6 +2455,7 @@
               <a:rPr lang="zh-CN" altLang="en-US"/>
               <a:t>单击此处编辑母版文本样式</a:t>
             </a:r>
+            <a:endParaRPr lang="zh-CN" altLang="en-US"/>
           </a:p>
           <a:p>
             <a:pPr lvl="1"/>
@@ -2839,6 +2463,7 @@
               <a:rPr lang="zh-CN" altLang="en-US"/>
               <a:t>二级</a:t>
             </a:r>
+            <a:endParaRPr lang="zh-CN" altLang="en-US"/>
           </a:p>
           <a:p>
             <a:pPr lvl="2"/>
@@ -2846,6 +2471,7 @@
               <a:rPr lang="zh-CN" altLang="en-US"/>
               <a:t>三级</a:t>
             </a:r>
+            <a:endParaRPr lang="zh-CN" altLang="en-US"/>
           </a:p>
           <a:p>
             <a:pPr lvl="3"/>
@@ -2853,6 +2479,7 @@
               <a:rPr lang="zh-CN" altLang="en-US"/>
               <a:t>四级</a:t>
             </a:r>
+            <a:endParaRPr lang="zh-CN" altLang="en-US"/>
           </a:p>
           <a:p>
             <a:pPr lvl="4"/>
@@ -2860,18 +2487,13 @@
               <a:rPr lang="zh-CN" altLang="en-US"/>
               <a:t>五级</a:t>
             </a:r>
-          </a:p>
-        </p:txBody>
-      </p:sp>
-      <p:sp>
-        <p:nvSpPr>
-          <p:cNvPr id="4" name="日期占位符 3">
-            <a:extLst>
-              <a:ext uri="{FF2B5EF4-FFF2-40B4-BE49-F238E27FC236}">
-                <a16:creationId xmlns:a16="http://schemas.microsoft.com/office/drawing/2014/main" id="{91183ED4-597F-449E-B87E-7FCCA48AA92E}"/>
-              </a:ext>
-            </a:extLst>
-          </p:cNvPr>
+            <a:endParaRPr lang="zh-CN" altLang="en-US"/>
+          </a:p>
+        </p:txBody>
+      </p:sp>
+      <p:sp>
+        <p:nvSpPr>
+          <p:cNvPr id="4" name="日期占位符 3"/>
           <p:cNvSpPr>
             <a:spLocks noGrp="1"/>
           </p:cNvSpPr>
@@ -2904,7 +2526,6 @@
           <a:p>
             <a:fld id="{61C41E37-8B35-4ED8-90B5-FB74E3F2F2DA}" type="datetimeFigureOut">
               <a:rPr lang="zh-CN" altLang="en-US" smtClean="0"/>
-              <a:t>2021-08-01</a:t>
             </a:fld>
             <a:endParaRPr lang="zh-CN" altLang="en-US"/>
           </a:p>
@@ -2912,13 +2533,7 @@
       </p:sp>
       <p:sp>
         <p:nvSpPr>
-          <p:cNvPr id="5" name="页脚占位符 4">
-            <a:extLst>
-              <a:ext uri="{FF2B5EF4-FFF2-40B4-BE49-F238E27FC236}">
-                <a16:creationId xmlns:a16="http://schemas.microsoft.com/office/drawing/2014/main" id="{91158005-C152-4351-A846-EF230F96EE10}"/>
-              </a:ext>
-            </a:extLst>
-          </p:cNvPr>
+          <p:cNvPr id="5" name="页脚占位符 4"/>
           <p:cNvSpPr>
             <a:spLocks noGrp="1"/>
           </p:cNvSpPr>
@@ -2955,13 +2570,7 @@
       </p:sp>
       <p:sp>
         <p:nvSpPr>
-          <p:cNvPr id="6" name="灯片编号占位符 5">
-            <a:extLst>
-              <a:ext uri="{FF2B5EF4-FFF2-40B4-BE49-F238E27FC236}">
-                <a16:creationId xmlns:a16="http://schemas.microsoft.com/office/drawing/2014/main" id="{C0FF0E48-D111-471D-9FCD-3A15C1903DE1}"/>
-              </a:ext>
-            </a:extLst>
-          </p:cNvPr>
+          <p:cNvPr id="6" name="灯片编号占位符 5"/>
           <p:cNvSpPr>
             <a:spLocks noGrp="1"/>
           </p:cNvSpPr>
@@ -2994,18 +2603,12 @@
           <a:p>
             <a:fld id="{3974FA41-206F-438C-9DBE-EECB8D304AD9}" type="slidenum">
               <a:rPr lang="zh-CN" altLang="en-US" smtClean="0"/>
-              <a:t>‹#›</a:t>
             </a:fld>
             <a:endParaRPr lang="zh-CN" altLang="en-US"/>
           </a:p>
         </p:txBody>
       </p:sp>
     </p:spTree>
-    <p:extLst>
-      <p:ext uri="{BB962C8B-B14F-4D97-AF65-F5344CB8AC3E}">
-        <p14:creationId xmlns:p14="http://schemas.microsoft.com/office/powerpoint/2010/main" val="2277935782"/>
-      </p:ext>
-    </p:extLst>
   </p:cSld>
   <p:clrMap bg1="lt1" tx1="dk1" bg2="lt2" tx2="dk2" accent1="accent1" accent2="accent2" accent3="accent3" accent4="accent4" accent5="accent5" accent6="accent6" hlink="hlink" folHlink="folHlink"/>
   <p:sldLayoutIdLst>
@@ -3323,84 +2926,36 @@
       </p:grpSpPr>
       <p:sp>
         <p:nvSpPr>
-          <p:cNvPr id="4" name="文本框 3">
-            <a:extLst>
-              <a:ext uri="{FF2B5EF4-FFF2-40B4-BE49-F238E27FC236}">
-                <a16:creationId xmlns:a16="http://schemas.microsoft.com/office/drawing/2014/main" id="{05FCD2E7-FDFE-4427-B5A3-6BD37AC79150}"/>
-              </a:ext>
-            </a:extLst>
-          </p:cNvPr>
-          <p:cNvSpPr txBox="1"/>
+          <p:cNvPr id="2" name="矩形 1"/>
+          <p:cNvSpPr/>
           <p:nvPr/>
         </p:nvSpPr>
         <p:spPr>
           <a:xfrm>
-            <a:off x="3752849" y="447675"/>
-            <a:ext cx="4250327" cy="3154710"/>
+            <a:off x="3871595" y="1050290"/>
+            <a:ext cx="4013200" cy="2482215"/>
           </a:xfrm>
           <a:prstGeom prst="rect">
             <a:avLst/>
           </a:prstGeom>
           <a:solidFill>
-            <a:srgbClr val="FFFFFF"/>
+            <a:schemeClr val="accent6">
+              <a:lumMod val="20000"/>
+              <a:lumOff val="80000"/>
+            </a:schemeClr>
           </a:solidFill>
-        </p:spPr>
-        <p:txBody>
-          <a:bodyPr wrap="square" rtlCol="0">
-            <a:spAutoFit/>
-          </a:bodyPr>
-          <a:lstStyle/>
-          <a:p>
-            <a:r>
-              <a:rPr lang="en-US" altLang="zh-CN" sz="19900" dirty="0">
+          <a:ln w="57150">
+            <a:noFill/>
+          </a:ln>
+          <a:extLst>
+            <a:ext uri="{909E8E84-426E-40DD-AFC4-6F175D3DCCD1}">
+              <a14:hiddenFill xmlns:a14="http://schemas.microsoft.com/office/drawing/2010/main">
                 <a:solidFill>
-                  <a:srgbClr val="008080"/>
+                  <a:schemeClr val="accent1"/>
                 </a:solidFill>
-                <a:latin typeface="Leelawadee UI Semilight" panose="020B0402040204020203" pitchFamily="34" charset="-34"/>
-                <a:ea typeface="宋体" panose="02010600030101010101" pitchFamily="2" charset="-122"/>
-                <a:cs typeface="Leelawadee UI Semilight" panose="020B0402040204020203" pitchFamily="34" charset="-34"/>
-              </a:rPr>
-              <a:t>Md</a:t>
-            </a:r>
-            <a:endParaRPr lang="zh-CN" altLang="en-US" sz="19900" dirty="0">
-              <a:solidFill>
-                <a:srgbClr val="008080"/>
-              </a:solidFill>
-              <a:latin typeface="Leelawadee UI Semilight" panose="020B0402040204020203" pitchFamily="34" charset="-34"/>
-              <a:ea typeface="宋体" panose="02010600030101010101" pitchFamily="2" charset="-122"/>
-              <a:cs typeface="Leelawadee UI Semilight" panose="020B0402040204020203" pitchFamily="34" charset="-34"/>
-            </a:endParaRPr>
-          </a:p>
-        </p:txBody>
-      </p:sp>
-      <p:sp>
-        <p:nvSpPr>
-          <p:cNvPr id="5" name="箭头: 下 4">
-            <a:extLst>
-              <a:ext uri="{FF2B5EF4-FFF2-40B4-BE49-F238E27FC236}">
-                <a16:creationId xmlns:a16="http://schemas.microsoft.com/office/drawing/2014/main" id="{E9A24C5B-9EA9-4E78-BBD3-83B068D41238}"/>
-              </a:ext>
-            </a:extLst>
-          </p:cNvPr>
-          <p:cNvSpPr/>
-          <p:nvPr/>
-        </p:nvSpPr>
-        <p:spPr>
-          <a:xfrm>
-            <a:off x="5570897" y="2608488"/>
-            <a:ext cx="298884" cy="993897"/>
-          </a:xfrm>
-          <a:prstGeom prst="downArrow">
-            <a:avLst/>
-          </a:prstGeom>
-          <a:solidFill>
-            <a:srgbClr val="008080"/>
-          </a:solidFill>
-          <a:ln>
-            <a:solidFill>
-              <a:srgbClr val="008080"/>
-            </a:solidFill>
-          </a:ln>
+              </a14:hiddenFill>
+            </a:ext>
+          </a:extLst>
         </p:spPr>
         <p:style>
           <a:lnRef idx="2">
@@ -3420,33 +2975,78 @@
         </p:style>
         <p:txBody>
           <a:bodyPr rtlCol="0" anchor="ctr"/>
-          <a:lstStyle/>
           <a:p>
             <a:pPr algn="ctr"/>
             <a:endParaRPr lang="zh-CN" altLang="en-US">
               <a:ln>
                 <a:solidFill>
-                  <a:schemeClr val="tx1"/>
+                  <a:sysClr val="windowText" lastClr="000000"/>
                 </a:solidFill>
               </a:ln>
               <a:solidFill>
-                <a:schemeClr val="tx1"/>
+                <a:srgbClr val="FF0000"/>
               </a:solidFill>
             </a:endParaRPr>
           </a:p>
         </p:txBody>
       </p:sp>
+      <p:sp>
+        <p:nvSpPr>
+          <p:cNvPr id="4" name="文本框 3"/>
+          <p:cNvSpPr txBox="1"/>
+          <p:nvPr/>
+        </p:nvSpPr>
+        <p:spPr>
+          <a:xfrm>
+            <a:off x="3975735" y="598170"/>
+            <a:ext cx="4050665" cy="3016885"/>
+          </a:xfrm>
+          <a:prstGeom prst="rect">
+            <a:avLst/>
+          </a:prstGeom>
+          <a:noFill/>
+        </p:spPr>
+        <p:txBody>
+          <a:bodyPr wrap="square" rtlCol="0">
+            <a:noAutofit/>
+          </a:bodyPr>
+          <a:lstStyle/>
+          <a:p>
+            <a:r>
+              <a:rPr lang="en-US" altLang="zh-CN" sz="19900" dirty="0">
+                <a:solidFill>
+                  <a:srgbClr val="008080"/>
+                </a:solidFill>
+                <a:latin typeface="Leelawadee UI Semilight" panose="020B0402040204020203" pitchFamily="34" charset="-34"/>
+                <a:ea typeface="宋体" panose="02010600030101010101" pitchFamily="2" charset="-122"/>
+                <a:cs typeface="Leelawadee UI Semilight" panose="020B0402040204020203" pitchFamily="34" charset="-34"/>
+              </a:rPr>
+              <a:t>Md</a:t>
+            </a:r>
+            <a:endParaRPr lang="zh-CN" altLang="en-US" sz="19900" dirty="0">
+              <a:solidFill>
+                <a:srgbClr val="008080"/>
+              </a:solidFill>
+              <a:latin typeface="Leelawadee UI Semilight" panose="020B0402040204020203" pitchFamily="34" charset="-34"/>
+              <a:ea typeface="宋体" panose="02010600030101010101" pitchFamily="2" charset="-122"/>
+              <a:cs typeface="Leelawadee UI Semilight" panose="020B0402040204020203" pitchFamily="34" charset="-34"/>
+            </a:endParaRPr>
+          </a:p>
+        </p:txBody>
+      </p:sp>
     </p:spTree>
-    <p:extLst>
-      <p:ext uri="{BB962C8B-B14F-4D97-AF65-F5344CB8AC3E}">
-        <p14:creationId xmlns:p14="http://schemas.microsoft.com/office/powerpoint/2010/main" val="2455347469"/>
-      </p:ext>
-    </p:extLst>
   </p:cSld>
   <p:clrMapOvr>
     <a:masterClrMapping/>
   </p:clrMapOvr>
 </p:sld>
+</file>
+
+<file path=ppt/tags/tag1.xml><?xml version="1.0" encoding="utf-8"?>
+<p:tagLst xmlns:p="http://schemas.openxmlformats.org/presentationml/2006/main">
+  <p:tag name="KSO_WPP_MARK_KEY" val="44114d26-4def-4fc4-8707-3a17b6cf4d16"/>
+  <p:tag name="COMMONDATA" val="eyJoZGlkIjoiYzAyZTVmMjBiMWIzNGFiNWVhMGM4MTBkMDM2NDQxZGUifQ=="/>
+</p:tagLst>
 </file>
 
 <file path=ppt/theme/theme1.xml><?xml version="1.0" encoding="utf-8"?>
@@ -3492,7 +3092,7 @@
     </a:clrScheme>
     <a:fontScheme name="Office">
       <a:majorFont>
-        <a:latin typeface="等线 Light" panose="020F0302020204030204"/>
+        <a:latin typeface="等线 Light"/>
         <a:ea typeface=""/>
         <a:cs typeface=""/>
         <a:font script="Jpan" typeface="游ゴシック Light"/>
@@ -3525,26 +3125,9 @@
         <a:font script="Viet" typeface="Times New Roman"/>
         <a:font script="Uigh" typeface="Microsoft Uighur"/>
         <a:font script="Geor" typeface="Sylfaen"/>
-        <a:font script="Armn" typeface="Arial"/>
-        <a:font script="Bugi" typeface="Leelawadee UI"/>
-        <a:font script="Bopo" typeface="Microsoft JhengHei"/>
-        <a:font script="Java" typeface="Javanese Text"/>
-        <a:font script="Lisu" typeface="Segoe UI"/>
-        <a:font script="Mymr" typeface="Myanmar Text"/>
-        <a:font script="Nkoo" typeface="Ebrima"/>
-        <a:font script="Olck" typeface="Nirmala UI"/>
-        <a:font script="Osma" typeface="Ebrima"/>
-        <a:font script="Phag" typeface="Phagspa"/>
-        <a:font script="Syrn" typeface="Estrangelo Edessa"/>
-        <a:font script="Syrj" typeface="Estrangelo Edessa"/>
-        <a:font script="Syre" typeface="Estrangelo Edessa"/>
-        <a:font script="Sora" typeface="Nirmala UI"/>
-        <a:font script="Tale" typeface="Microsoft Tai Le"/>
-        <a:font script="Talu" typeface="Microsoft New Tai Lue"/>
-        <a:font script="Tfng" typeface="Ebrima"/>
       </a:majorFont>
       <a:minorFont>
-        <a:latin typeface="等线" panose="020F0502020204030204"/>
+        <a:latin typeface="等线"/>
         <a:ea typeface=""/>
         <a:cs typeface=""/>
         <a:font script="Jpan" typeface="游ゴシック"/>
@@ -3577,23 +3160,6 @@
         <a:font script="Viet" typeface="Arial"/>
         <a:font script="Uigh" typeface="Microsoft Uighur"/>
         <a:font script="Geor" typeface="Sylfaen"/>
-        <a:font script="Armn" typeface="Arial"/>
-        <a:font script="Bugi" typeface="Leelawadee UI"/>
-        <a:font script="Bopo" typeface="Microsoft JhengHei"/>
-        <a:font script="Java" typeface="Javanese Text"/>
-        <a:font script="Lisu" typeface="Segoe UI"/>
-        <a:font script="Mymr" typeface="Myanmar Text"/>
-        <a:font script="Nkoo" typeface="Ebrima"/>
-        <a:font script="Olck" typeface="Nirmala UI"/>
-        <a:font script="Osma" typeface="Ebrima"/>
-        <a:font script="Phag" typeface="Phagspa"/>
-        <a:font script="Syrn" typeface="Estrangelo Edessa"/>
-        <a:font script="Syrj" typeface="Estrangelo Edessa"/>
-        <a:font script="Syre" typeface="Estrangelo Edessa"/>
-        <a:font script="Sora" typeface="Nirmala UI"/>
-        <a:font script="Tale" typeface="Microsoft Tai Le"/>
-        <a:font script="Talu" typeface="Microsoft New Tai Lue"/>
-        <a:font script="Tfng" typeface="Ebrima"/>
       </a:minorFont>
     </a:fontScheme>
     <a:fmtScheme name="Office">
@@ -3734,8 +3300,6 @@
       </a:bgFillStyleLst>
     </a:fmtScheme>
   </a:themeElements>
-  <a:objectDefaults/>
-  <a:extraClrSchemeLst/>
   <a:extLst>
     <a:ext uri="{05A4C25C-085E-4340-85A3-A5531E510DB2}">
       <thm15:themeFamily xmlns:thm15="http://schemas.microsoft.com/office/thememl/2012/main" name="Office Theme" id="{62F939B6-93AF-4DB8-9C6B-D6C7DFDC589F}" vid="{4A3C46E8-61CC-4603-A589-7422A47A8E4A}"/>
